--- a/lci_surgery2.pptx
+++ b/lci_surgery2.pptx
@@ -4435,7 +4435,7 @@
             <a:pPr lvl="0"/>
             <a:r>
               <a:rPr/>
-              <a:t>Death within 90 days of surgyer</a:t>
+              <a:t>Death within 90 days of surgery</a:t>
             </a:r>
           </a:p>
           <a:p>
